--- a/20210104_demo_for_ccgb_rotation_update.pptx
+++ b/20210104_demo_for_ccgb_rotation_update.pptx
@@ -5,7 +5,7 @@
     <p:sldMasterId id="2147483648" r:id="rId1"/>
   </p:sldMasterIdLst>
   <p:notesMasterIdLst>
-    <p:notesMasterId r:id="rId9"/>
+    <p:notesMasterId r:id="rId11"/>
   </p:notesMasterIdLst>
   <p:sldIdLst>
     <p:sldId id="256" r:id="rId2"/>
@@ -13,8 +13,10 @@
     <p:sldId id="257" r:id="rId4"/>
     <p:sldId id="288" r:id="rId5"/>
     <p:sldId id="290" r:id="rId6"/>
-    <p:sldId id="278" r:id="rId7"/>
-    <p:sldId id="273" r:id="rId8"/>
+    <p:sldId id="291" r:id="rId7"/>
+    <p:sldId id="292" r:id="rId8"/>
+    <p:sldId id="278" r:id="rId9"/>
+    <p:sldId id="273" r:id="rId10"/>
   </p:sldIdLst>
   <p:sldSz cx="12192000" cy="6858000"/>
   <p:notesSz cx="6858000" cy="9144000"/>
@@ -123,6 +125,8 @@
             <p14:sldId id="257"/>
             <p14:sldId id="288"/>
             <p14:sldId id="290"/>
+            <p14:sldId id="291"/>
+            <p14:sldId id="292"/>
             <p14:sldId id="278"/>
             <p14:sldId id="273"/>
           </p14:sldIdLst>
@@ -733,7 +737,7 @@
           <a:p>
             <a:fld id="{9D984E8B-8157-4976-ABDF-6DA2CAC3440F}" type="slidenum">
               <a:rPr lang="en-US" smtClean="0"/>
-              <a:t>6</a:t>
+              <a:t>8</a:t>
             </a:fld>
             <a:endParaRPr lang="en-US"/>
           </a:p>
@@ -4172,20 +4176,28 @@
           <a:lstStyle/>
           <a:p>
             <a:r>
-              <a:rPr lang="en-US"/>
+              <a:rPr lang="en-US" dirty="0"/>
               <a:t>Happy New Year!</a:t>
             </a:r>
           </a:p>
           <a:p>
             <a:r>
-              <a:rPr lang="en-US" dirty="0"/>
+              <a:rPr lang="en-US" dirty="0">
+                <a:highlight>
+                  <a:srgbClr val="FFFF00"/>
+                </a:highlight>
+              </a:rPr>
               <a:t>Who do I email for cluster access? </a:t>
             </a:r>
           </a:p>
           <a:p>
             <a:pPr lvl="1"/>
             <a:r>
-              <a:rPr lang="en-US" dirty="0"/>
+              <a:rPr lang="en-US" dirty="0">
+                <a:highlight>
+                  <a:srgbClr val="FFFF00"/>
+                </a:highlight>
+              </a:rPr>
               <a:t>(I might have done this by the time we meet)</a:t>
             </a:r>
           </a:p>
@@ -4538,7 +4550,7 @@
                 <a:latin typeface="Yu Gothic" panose="020B0400000000000000" pitchFamily="34" charset="-128"/>
                 <a:ea typeface="Yu Gothic" panose="020B0400000000000000" pitchFamily="34" charset="-128"/>
               </a:rPr>
-              <a:t> model</a:t>
+              <a:t> model(s)</a:t>
             </a:r>
           </a:p>
           <a:p>
@@ -4548,7 +4560,7 @@
                 <a:latin typeface="Yu Gothic" panose="020B0400000000000000" pitchFamily="34" charset="-128"/>
                 <a:ea typeface="Yu Gothic" panose="020B0400000000000000" pitchFamily="34" charset="-128"/>
               </a:rPr>
-              <a:t>Perhaps link to human demography?</a:t>
+              <a:t>Perhaps find link to human demography?</a:t>
             </a:r>
           </a:p>
           <a:p>
@@ -4566,7 +4578,7 @@
                 <a:latin typeface="Yu Gothic" panose="020B0400000000000000" pitchFamily="34" charset="-128"/>
                 <a:ea typeface="Yu Gothic" panose="020B0400000000000000" pitchFamily="34" charset="-128"/>
               </a:rPr>
-              <a:t>Apply to other data sets (Include African data, Peruvian data)</a:t>
+              <a:t>Apply to other data sets (include African data, Peruvian data)</a:t>
             </a:r>
           </a:p>
         </p:txBody>
@@ -4666,7 +4678,7 @@
             </a:r>
             <a:r>
               <a:rPr lang="en-US" dirty="0"/>
-              <a:t> script (for later)</a:t>
+              <a:t> script (for later): `fit_demographic_model.py`</a:t>
             </a:r>
           </a:p>
           <a:p>
@@ -4676,11 +4688,51 @@
               <a:t>Given folded </a:t>
             </a:r>
             <a:r>
+              <a:rPr lang="en-US" dirty="0">
+                <a:highlight>
+                  <a:srgbClr val="FFFF00"/>
+                </a:highlight>
+              </a:rPr>
+              <a:t>synonymous</a:t>
+            </a:r>
+            <a:r>
+              <a:rPr lang="en-US" dirty="0"/>
+              <a:t> </a:t>
+            </a:r>
+            <a:r>
               <a:rPr lang="en-US" dirty="0" err="1"/>
               <a:t>sfs</a:t>
             </a:r>
             <a:r>
               <a:rPr lang="en-US" dirty="0"/>
+              <a:t> </a:t>
+            </a:r>
+            <a:r>
+              <a:rPr lang="en-US" dirty="0">
+                <a:highlight>
+                  <a:srgbClr val="FFFF00"/>
+                </a:highlight>
+              </a:rPr>
+              <a:t>[Ask Nandita about ns </a:t>
+            </a:r>
+            <a:r>
+              <a:rPr lang="en-US" dirty="0" err="1">
+                <a:highlight>
+                  <a:srgbClr val="FFFF00"/>
+                </a:highlight>
+              </a:rPr>
+              <a:t>sfs</a:t>
+            </a:r>
+            <a:r>
+              <a:rPr lang="en-US" dirty="0">
+                <a:highlight>
+                  <a:srgbClr val="FFFF00"/>
+                </a:highlight>
+              </a:rPr>
+              <a:t>]</a:t>
+            </a:r>
+            <a:r>
+              <a:rPr lang="en-US" dirty="0"/>
               <a:t>,</a:t>
             </a:r>
           </a:p>
@@ -4695,7 +4747,28 @@
             <a:pPr lvl="2"/>
             <a:r>
               <a:rPr lang="en-US" dirty="0"/>
-              <a:t>Compute log likelihood for each</a:t>
+              <a:t>Compute log likelihood for each, as well as model parameters, e.g.,:</a:t>
+            </a:r>
+          </a:p>
+          <a:p>
+            <a:pPr lvl="3"/>
+            <a:r>
+              <a:rPr lang="en-US" dirty="0"/>
+              <a:t>Contraction and growth magnitude</a:t>
+            </a:r>
+          </a:p>
+          <a:p>
+            <a:pPr lvl="3"/>
+            <a:r>
+              <a:rPr lang="en-US" dirty="0"/>
+              <a:t>Time since demographic change</a:t>
+            </a:r>
+          </a:p>
+          <a:p>
+            <a:pPr lvl="3"/>
+            <a:r>
+              <a:rPr lang="en-US" dirty="0"/>
+              <a:t>Etc.</a:t>
             </a:r>
           </a:p>
           <a:p>
@@ -4742,6 +4815,815 @@
           <p:cNvPr id="2" name="Title 1">
             <a:extLst>
               <a:ext uri="{FF2B5EF4-FFF2-40B4-BE49-F238E27FC236}">
+                <a16:creationId xmlns:a16="http://schemas.microsoft.com/office/drawing/2014/main" id="{65D628C1-80CE-412C-8D99-87265F8BBF5F}"/>
+              </a:ext>
+            </a:extLst>
+          </p:cNvPr>
+          <p:cNvSpPr>
+            <a:spLocks noGrp="1"/>
+          </p:cNvSpPr>
+          <p:nvPr>
+            <p:ph type="title"/>
+          </p:nvPr>
+        </p:nvSpPr>
+        <p:spPr/>
+        <p:txBody>
+          <a:bodyPr/>
+          <a:lstStyle/>
+          <a:p>
+            <a:r>
+              <a:rPr lang="en-US" dirty="0"/>
+              <a:t>Implementation details (for following slide)</a:t>
+            </a:r>
+          </a:p>
+        </p:txBody>
+      </p:sp>
+      <p:sp>
+        <p:nvSpPr>
+          <p:cNvPr id="3" name="Content Placeholder 2">
+            <a:extLst>
+              <a:ext uri="{FF2B5EF4-FFF2-40B4-BE49-F238E27FC236}">
+                <a16:creationId xmlns:a16="http://schemas.microsoft.com/office/drawing/2014/main" id="{E5DEB96E-5753-4F3F-BEAE-0BD8F8946CEB}"/>
+              </a:ext>
+            </a:extLst>
+          </p:cNvPr>
+          <p:cNvSpPr>
+            <a:spLocks noGrp="1"/>
+          </p:cNvSpPr>
+          <p:nvPr>
+            <p:ph idx="1"/>
+          </p:nvPr>
+        </p:nvSpPr>
+        <p:spPr/>
+        <p:txBody>
+          <a:bodyPr/>
+          <a:lstStyle/>
+          <a:p>
+            <a:r>
+              <a:rPr lang="en-US" dirty="0"/>
+              <a:t>Input synonymous </a:t>
+            </a:r>
+            <a:r>
+              <a:rPr lang="en-US" dirty="0" err="1"/>
+              <a:t>sfs</a:t>
+            </a:r>
+            <a:r>
+              <a:rPr lang="en-US" dirty="0"/>
+              <a:t>: [1250, 750, 600, 500, 400, 300, 250, 150]</a:t>
+            </a:r>
+          </a:p>
+          <a:p>
+            <a:pPr lvl="1"/>
+            <a:r>
+              <a:rPr lang="en-US" dirty="0"/>
+              <a:t>These are arbitrarily selected numbers</a:t>
+            </a:r>
+          </a:p>
+          <a:p>
+            <a:r>
+              <a:rPr lang="en-US" dirty="0"/>
+              <a:t>Four demographic models {exponential growth, two-epoch, bottleneck + growth, three-epoch}</a:t>
+            </a:r>
+          </a:p>
+          <a:p>
+            <a:r>
+              <a:rPr lang="en-US" dirty="0"/>
+              <a:t>For each model:</a:t>
+            </a:r>
+          </a:p>
+          <a:p>
+            <a:pPr lvl="1"/>
+            <a:r>
+              <a:rPr lang="en-US" dirty="0"/>
+              <a:t>Take 25 initial guesses for parameter space (parameters differ by model)</a:t>
+            </a:r>
+          </a:p>
+          <a:p>
+            <a:pPr lvl="1"/>
+            <a:r>
+              <a:rPr lang="en-US" dirty="0"/>
+              <a:t>For each initial guess:</a:t>
+            </a:r>
+          </a:p>
+          <a:p>
+            <a:pPr lvl="2"/>
+            <a:r>
+              <a:rPr lang="en-US" dirty="0"/>
+              <a:t>Iterate through gradient ascent to find maximum likelihood for &lt;= 100 steps</a:t>
+            </a:r>
+          </a:p>
+          <a:p>
+            <a:pPr lvl="2"/>
+            <a:r>
+              <a:rPr lang="en-US" dirty="0"/>
+              <a:t>Compute model params and log likelihood</a:t>
+            </a:r>
+          </a:p>
+          <a:p>
+            <a:pPr lvl="1"/>
+            <a:r>
+              <a:rPr lang="en-US" dirty="0"/>
+              <a:t>Output log likelihood and model params of best initial guess + iterations</a:t>
+            </a:r>
+          </a:p>
+        </p:txBody>
+      </p:sp>
+    </p:spTree>
+    <p:extLst>
+      <p:ext uri="{BB962C8B-B14F-4D97-AF65-F5344CB8AC3E}">
+        <p14:creationId xmlns:p14="http://schemas.microsoft.com/office/powerpoint/2010/main" val="253882185"/>
+      </p:ext>
+    </p:extLst>
+  </p:cSld>
+  <p:clrMapOvr>
+    <a:masterClrMapping/>
+  </p:clrMapOvr>
+</p:sld>
+</file>
+
+<file path=ppt/slides/slide7.xml><?xml version="1.0" encoding="utf-8"?>
+<p:sld xmlns:a="http://schemas.openxmlformats.org/drawingml/2006/main" xmlns:r="http://schemas.openxmlformats.org/officeDocument/2006/relationships" xmlns:p="http://schemas.openxmlformats.org/presentationml/2006/main">
+  <p:cSld>
+    <p:spTree>
+      <p:nvGrpSpPr>
+        <p:cNvPr id="1" name=""/>
+        <p:cNvGrpSpPr/>
+        <p:nvPr/>
+      </p:nvGrpSpPr>
+      <p:grpSpPr>
+        <a:xfrm>
+          <a:off x="0" y="0"/>
+          <a:ext cx="0" cy="0"/>
+          <a:chOff x="0" y="0"/>
+          <a:chExt cx="0" cy="0"/>
+        </a:xfrm>
+      </p:grpSpPr>
+      <p:sp>
+        <p:nvSpPr>
+          <p:cNvPr id="2" name="Title 1">
+            <a:extLst>
+              <a:ext uri="{FF2B5EF4-FFF2-40B4-BE49-F238E27FC236}">
+                <a16:creationId xmlns:a16="http://schemas.microsoft.com/office/drawing/2014/main" id="{3ACB2963-BE89-49DE-AE57-DADA2F0EF55F}"/>
+              </a:ext>
+            </a:extLst>
+          </p:cNvPr>
+          <p:cNvSpPr>
+            <a:spLocks noGrp="1"/>
+          </p:cNvSpPr>
+          <p:nvPr>
+            <p:ph type="title"/>
+          </p:nvPr>
+        </p:nvSpPr>
+        <p:spPr/>
+        <p:txBody>
+          <a:bodyPr/>
+          <a:lstStyle/>
+          <a:p>
+            <a:r>
+              <a:rPr lang="en-US" dirty="0"/>
+              <a:t>Example output (given previous slide)</a:t>
+            </a:r>
+          </a:p>
+        </p:txBody>
+      </p:sp>
+      <p:graphicFrame>
+        <p:nvGraphicFramePr>
+          <p:cNvPr id="4" name="Table 4">
+            <a:extLst>
+              <a:ext uri="{FF2B5EF4-FFF2-40B4-BE49-F238E27FC236}">
+                <a16:creationId xmlns:a16="http://schemas.microsoft.com/office/drawing/2014/main" id="{15E0F77D-3EC9-45DD-9B31-10A965255CBC}"/>
+              </a:ext>
+            </a:extLst>
+          </p:cNvPr>
+          <p:cNvGraphicFramePr>
+            <a:graphicFrameLocks noGrp="1"/>
+          </p:cNvGraphicFramePr>
+          <p:nvPr>
+            <p:ph idx="1"/>
+            <p:extLst>
+              <p:ext uri="{D42A27DB-BD31-4B8C-83A1-F6EECF244321}">
+                <p14:modId xmlns:p14="http://schemas.microsoft.com/office/powerpoint/2010/main" val="175150283"/>
+              </p:ext>
+            </p:extLst>
+          </p:nvPr>
+        </p:nvGraphicFramePr>
+        <p:xfrm>
+          <a:off x="838200" y="1825625"/>
+          <a:ext cx="10515600" cy="2225040"/>
+        </p:xfrm>
+        <a:graphic>
+          <a:graphicData uri="http://schemas.openxmlformats.org/drawingml/2006/table">
+            <a:tbl>
+              <a:tblPr firstRow="1" bandRow="1">
+                <a:tableStyleId>{073A0DAA-6AF3-43AB-8588-CEC1D06C72B9}</a:tableStyleId>
+              </a:tblPr>
+              <a:tblGrid>
+                <a:gridCol w="2103120">
+                  <a:extLst>
+                    <a:ext uri="{9D8B030D-6E8A-4147-A177-3AD203B41FA5}">
+                      <a16:colId xmlns:a16="http://schemas.microsoft.com/office/drawing/2014/main" val="2900726404"/>
+                    </a:ext>
+                  </a:extLst>
+                </a:gridCol>
+                <a:gridCol w="2103120">
+                  <a:extLst>
+                    <a:ext uri="{9D8B030D-6E8A-4147-A177-3AD203B41FA5}">
+                      <a16:colId xmlns:a16="http://schemas.microsoft.com/office/drawing/2014/main" val="2297780930"/>
+                    </a:ext>
+                  </a:extLst>
+                </a:gridCol>
+                <a:gridCol w="2103120">
+                  <a:extLst>
+                    <a:ext uri="{9D8B030D-6E8A-4147-A177-3AD203B41FA5}">
+                      <a16:colId xmlns:a16="http://schemas.microsoft.com/office/drawing/2014/main" val="1352057416"/>
+                    </a:ext>
+                  </a:extLst>
+                </a:gridCol>
+                <a:gridCol w="2103120">
+                  <a:extLst>
+                    <a:ext uri="{9D8B030D-6E8A-4147-A177-3AD203B41FA5}">
+                      <a16:colId xmlns:a16="http://schemas.microsoft.com/office/drawing/2014/main" val="1457082074"/>
+                    </a:ext>
+                  </a:extLst>
+                </a:gridCol>
+                <a:gridCol w="2103120">
+                  <a:extLst>
+                    <a:ext uri="{9D8B030D-6E8A-4147-A177-3AD203B41FA5}">
+                      <a16:colId xmlns:a16="http://schemas.microsoft.com/office/drawing/2014/main" val="633438695"/>
+                    </a:ext>
+                  </a:extLst>
+                </a:gridCol>
+              </a:tblGrid>
+              <a:tr h="370840">
+                <a:tc>
+                  <a:txBody>
+                    <a:bodyPr/>
+                    <a:lstStyle/>
+                    <a:p>
+                      <a:r>
+                        <a:rPr lang="en-US" dirty="0"/>
+                        <a:t>Model</a:t>
+                      </a:r>
+                    </a:p>
+                  </a:txBody>
+                  <a:tcPr/>
+                </a:tc>
+                <a:tc>
+                  <a:txBody>
+                    <a:bodyPr/>
+                    <a:lstStyle/>
+                    <a:p>
+                      <a:r>
+                        <a:rPr lang="en-US" dirty="0"/>
+                        <a:t>Exponential growth</a:t>
+                      </a:r>
+                    </a:p>
+                  </a:txBody>
+                  <a:tcPr/>
+                </a:tc>
+                <a:tc>
+                  <a:txBody>
+                    <a:bodyPr/>
+                    <a:lstStyle/>
+                    <a:p>
+                      <a:r>
+                        <a:rPr lang="en-US" dirty="0"/>
+                        <a:t>Two-epoch</a:t>
+                      </a:r>
+                    </a:p>
+                  </a:txBody>
+                  <a:tcPr/>
+                </a:tc>
+                <a:tc>
+                  <a:txBody>
+                    <a:bodyPr/>
+                    <a:lstStyle/>
+                    <a:p>
+                      <a:r>
+                        <a:rPr lang="en-US" dirty="0"/>
+                        <a:t>Bottleneck + growth</a:t>
+                      </a:r>
+                    </a:p>
+                  </a:txBody>
+                  <a:tcPr/>
+                </a:tc>
+                <a:tc>
+                  <a:txBody>
+                    <a:bodyPr/>
+                    <a:lstStyle/>
+                    <a:p>
+                      <a:r>
+                        <a:rPr lang="en-US" dirty="0"/>
+                        <a:t>Three-epoch</a:t>
+                      </a:r>
+                    </a:p>
+                  </a:txBody>
+                  <a:tcPr/>
+                </a:tc>
+                <a:extLst>
+                  <a:ext uri="{0D108BD9-81ED-4DB2-BD59-A6C34878D82A}">
+                    <a16:rowId xmlns:a16="http://schemas.microsoft.com/office/drawing/2014/main" val="3143057051"/>
+                  </a:ext>
+                </a:extLst>
+              </a:tr>
+              <a:tr h="370840">
+                <a:tc>
+                  <a:txBody>
+                    <a:bodyPr/>
+                    <a:lstStyle/>
+                    <a:p>
+                      <a:r>
+                        <a:rPr lang="en-US" dirty="0"/>
+                        <a:t>Log Likelihood</a:t>
+                      </a:r>
+                    </a:p>
+                  </a:txBody>
+                  <a:tcPr/>
+                </a:tc>
+                <a:tc>
+                  <a:txBody>
+                    <a:bodyPr/>
+                    <a:lstStyle/>
+                    <a:p>
+                      <a:r>
+                        <a:rPr lang="en-US" dirty="0"/>
+                        <a:t>-55.8369541829</a:t>
+                      </a:r>
+                    </a:p>
+                  </a:txBody>
+                  <a:tcPr/>
+                </a:tc>
+                <a:tc>
+                  <a:txBody>
+                    <a:bodyPr/>
+                    <a:lstStyle/>
+                    <a:p>
+                      <a:r>
+                        <a:rPr lang="en-US" dirty="0"/>
+                        <a:t>-55.6913674566</a:t>
+                      </a:r>
+                    </a:p>
+                  </a:txBody>
+                  <a:tcPr/>
+                </a:tc>
+                <a:tc>
+                  <a:txBody>
+                    <a:bodyPr/>
+                    <a:lstStyle/>
+                    <a:p>
+                      <a:r>
+                        <a:rPr lang="en-US" dirty="0">
+                          <a:highlight>
+                            <a:srgbClr val="FFFF00"/>
+                          </a:highlight>
+                        </a:rPr>
+                        <a:t>-45.6647979466</a:t>
+                      </a:r>
+                    </a:p>
+                  </a:txBody>
+                  <a:tcPr/>
+                </a:tc>
+                <a:tc>
+                  <a:txBody>
+                    <a:bodyPr/>
+                    <a:lstStyle/>
+                    <a:p>
+                      <a:r>
+                        <a:rPr lang="en-US" dirty="0"/>
+                        <a:t>-54.8282784977</a:t>
+                      </a:r>
+                    </a:p>
+                  </a:txBody>
+                  <a:tcPr/>
+                </a:tc>
+                <a:extLst>
+                  <a:ext uri="{0D108BD9-81ED-4DB2-BD59-A6C34878D82A}">
+                    <a16:rowId xmlns:a16="http://schemas.microsoft.com/office/drawing/2014/main" val="3235037204"/>
+                  </a:ext>
+                </a:extLst>
+              </a:tr>
+              <a:tr h="370840">
+                <a:tc>
+                  <a:txBody>
+                    <a:bodyPr/>
+                    <a:lstStyle/>
+                    <a:p>
+                      <a:r>
+                        <a:rPr lang="en-US" dirty="0" err="1"/>
+                        <a:t>Nu_a</a:t>
+                      </a:r>
+                      <a:endParaRPr lang="en-US" dirty="0"/>
+                    </a:p>
+                  </a:txBody>
+                  <a:tcPr/>
+                </a:tc>
+                <a:tc>
+                  <a:txBody>
+                    <a:bodyPr/>
+                    <a:lstStyle/>
+                    <a:p>
+                      <a:r>
+                        <a:rPr lang="en-US" dirty="0"/>
+                        <a:t>0.20997658</a:t>
+                      </a:r>
+                    </a:p>
+                  </a:txBody>
+                  <a:tcPr/>
+                </a:tc>
+                <a:tc>
+                  <a:txBody>
+                    <a:bodyPr/>
+                    <a:lstStyle/>
+                    <a:p>
+                      <a:r>
+                        <a:rPr lang="en-US" dirty="0"/>
+                        <a:t>Minimum boundary</a:t>
+                      </a:r>
+                    </a:p>
+                  </a:txBody>
+                  <a:tcPr/>
+                </a:tc>
+                <a:tc>
+                  <a:txBody>
+                    <a:bodyPr/>
+                    <a:lstStyle/>
+                    <a:p>
+                      <a:r>
+                        <a:rPr lang="en-US" dirty="0"/>
+                        <a:t>Maximum boundary</a:t>
+                      </a:r>
+                    </a:p>
+                  </a:txBody>
+                  <a:tcPr/>
+                </a:tc>
+                <a:tc>
+                  <a:txBody>
+                    <a:bodyPr/>
+                    <a:lstStyle/>
+                    <a:p>
+                      <a:r>
+                        <a:rPr lang="en-US" dirty="0"/>
+                        <a:t>1.34235535</a:t>
+                      </a:r>
+                    </a:p>
+                  </a:txBody>
+                  <a:tcPr/>
+                </a:tc>
+                <a:extLst>
+                  <a:ext uri="{0D108BD9-81ED-4DB2-BD59-A6C34878D82A}">
+                    <a16:rowId xmlns:a16="http://schemas.microsoft.com/office/drawing/2014/main" val="2717148640"/>
+                  </a:ext>
+                </a:extLst>
+              </a:tr>
+              <a:tr h="370840">
+                <a:tc>
+                  <a:txBody>
+                    <a:bodyPr/>
+                    <a:lstStyle/>
+                    <a:p>
+                      <a:r>
+                        <a:rPr lang="en-US" dirty="0" err="1"/>
+                        <a:t>Nu_b</a:t>
+                      </a:r>
+                      <a:endParaRPr lang="en-US" dirty="0"/>
+                    </a:p>
+                  </a:txBody>
+                  <a:tcPr/>
+                </a:tc>
+                <a:tc>
+                  <a:txBody>
+                    <a:bodyPr/>
+                    <a:lstStyle/>
+                    <a:p>
+                      <a:r>
+                        <a:rPr lang="en-US" dirty="0"/>
+                        <a:t>N/A</a:t>
+                      </a:r>
+                    </a:p>
+                  </a:txBody>
+                  <a:tcPr/>
+                </a:tc>
+                <a:tc>
+                  <a:txBody>
+                    <a:bodyPr/>
+                    <a:lstStyle/>
+                    <a:p>
+                      <a:r>
+                        <a:rPr lang="en-US" dirty="0"/>
+                        <a:t>N/A</a:t>
+                      </a:r>
+                    </a:p>
+                  </a:txBody>
+                  <a:tcPr/>
+                </a:tc>
+                <a:tc>
+                  <a:txBody>
+                    <a:bodyPr/>
+                    <a:lstStyle/>
+                    <a:p>
+                      <a:r>
+                        <a:rPr lang="en-US" dirty="0"/>
+                        <a:t>0.69135133</a:t>
+                      </a:r>
+                    </a:p>
+                  </a:txBody>
+                  <a:tcPr/>
+                </a:tc>
+                <a:tc>
+                  <a:txBody>
+                    <a:bodyPr/>
+                    <a:lstStyle/>
+                    <a:p>
+                      <a:r>
+                        <a:rPr lang="en-US" dirty="0"/>
+                        <a:t>0.27312243</a:t>
+                      </a:r>
+                    </a:p>
+                  </a:txBody>
+                  <a:tcPr/>
+                </a:tc>
+                <a:extLst>
+                  <a:ext uri="{0D108BD9-81ED-4DB2-BD59-A6C34878D82A}">
+                    <a16:rowId xmlns:a16="http://schemas.microsoft.com/office/drawing/2014/main" val="3992781458"/>
+                  </a:ext>
+                </a:extLst>
+              </a:tr>
+              <a:tr h="370840">
+                <a:tc>
+                  <a:txBody>
+                    <a:bodyPr/>
+                    <a:lstStyle/>
+                    <a:p>
+                      <a:r>
+                        <a:rPr lang="en-US" dirty="0"/>
+                        <a:t>T_12</a:t>
+                      </a:r>
+                    </a:p>
+                  </a:txBody>
+                  <a:tcPr/>
+                </a:tc>
+                <a:tc>
+                  <a:txBody>
+                    <a:bodyPr/>
+                    <a:lstStyle/>
+                    <a:p>
+                      <a:r>
+                        <a:rPr lang="en-US" dirty="0"/>
+                        <a:t>0.00879757</a:t>
+                      </a:r>
+                    </a:p>
+                  </a:txBody>
+                  <a:tcPr/>
+                </a:tc>
+                <a:tc>
+                  <a:txBody>
+                    <a:bodyPr/>
+                    <a:lstStyle/>
+                    <a:p>
+                      <a:r>
+                        <a:rPr lang="en-US" dirty="0"/>
+                        <a:t>1.58523417e-06</a:t>
+                      </a:r>
+                    </a:p>
+                  </a:txBody>
+                  <a:tcPr/>
+                </a:tc>
+                <a:tc>
+                  <a:txBody>
+                    <a:bodyPr/>
+                    <a:lstStyle/>
+                    <a:p>
+                      <a:r>
+                        <a:rPr lang="en-US" dirty="0"/>
+                        <a:t>0.61904714</a:t>
+                      </a:r>
+                    </a:p>
+                  </a:txBody>
+                  <a:tcPr/>
+                </a:tc>
+                <a:tc>
+                  <a:txBody>
+                    <a:bodyPr/>
+                    <a:lstStyle/>
+                    <a:p>
+                      <a:r>
+                        <a:rPr lang="en-US" dirty="0"/>
+                        <a:t>0.0696624</a:t>
+                      </a:r>
+                    </a:p>
+                  </a:txBody>
+                  <a:tcPr/>
+                </a:tc>
+                <a:extLst>
+                  <a:ext uri="{0D108BD9-81ED-4DB2-BD59-A6C34878D82A}">
+                    <a16:rowId xmlns:a16="http://schemas.microsoft.com/office/drawing/2014/main" val="3283572519"/>
+                  </a:ext>
+                </a:extLst>
+              </a:tr>
+              <a:tr h="370840">
+                <a:tc>
+                  <a:txBody>
+                    <a:bodyPr/>
+                    <a:lstStyle/>
+                    <a:p>
+                      <a:r>
+                        <a:rPr lang="en-US" dirty="0"/>
+                        <a:t>T_23</a:t>
+                      </a:r>
+                    </a:p>
+                  </a:txBody>
+                  <a:tcPr/>
+                </a:tc>
+                <a:tc>
+                  <a:txBody>
+                    <a:bodyPr/>
+                    <a:lstStyle/>
+                    <a:p>
+                      <a:r>
+                        <a:rPr lang="en-US" dirty="0"/>
+                        <a:t>N/A</a:t>
+                      </a:r>
+                    </a:p>
+                  </a:txBody>
+                  <a:tcPr/>
+                </a:tc>
+                <a:tc>
+                  <a:txBody>
+                    <a:bodyPr/>
+                    <a:lstStyle/>
+                    <a:p>
+                      <a:r>
+                        <a:rPr lang="en-US" dirty="0"/>
+                        <a:t>N/A</a:t>
+                      </a:r>
+                    </a:p>
+                  </a:txBody>
+                  <a:tcPr/>
+                </a:tc>
+                <a:tc>
+                  <a:txBody>
+                    <a:bodyPr/>
+                    <a:lstStyle/>
+                    <a:p>
+                      <a:r>
+                        <a:rPr lang="en-US" dirty="0"/>
+                        <a:t>N/A</a:t>
+                      </a:r>
+                    </a:p>
+                  </a:txBody>
+                  <a:tcPr/>
+                </a:tc>
+                <a:tc>
+                  <a:txBody>
+                    <a:bodyPr/>
+                    <a:lstStyle/>
+                    <a:p>
+                      <a:r>
+                        <a:rPr lang="en-US" dirty="0"/>
+                        <a:t>0.00942469</a:t>
+                      </a:r>
+                    </a:p>
+                  </a:txBody>
+                  <a:tcPr/>
+                </a:tc>
+                <a:extLst>
+                  <a:ext uri="{0D108BD9-81ED-4DB2-BD59-A6C34878D82A}">
+                    <a16:rowId xmlns:a16="http://schemas.microsoft.com/office/drawing/2014/main" val="2422470866"/>
+                  </a:ext>
+                </a:extLst>
+              </a:tr>
+            </a:tbl>
+          </a:graphicData>
+        </a:graphic>
+      </p:graphicFrame>
+      <p:sp>
+        <p:nvSpPr>
+          <p:cNvPr id="6" name="TextBox 5">
+            <a:extLst>
+              <a:ext uri="{FF2B5EF4-FFF2-40B4-BE49-F238E27FC236}">
+                <a16:creationId xmlns:a16="http://schemas.microsoft.com/office/drawing/2014/main" id="{400F8636-07CA-4FE0-954C-951322EC6B4E}"/>
+              </a:ext>
+            </a:extLst>
+          </p:cNvPr>
+          <p:cNvSpPr txBox="1"/>
+          <p:nvPr/>
+        </p:nvSpPr>
+        <p:spPr>
+          <a:xfrm>
+            <a:off x="838200" y="4257367"/>
+            <a:ext cx="8497967" cy="1200329"/>
+          </a:xfrm>
+          <a:prstGeom prst="rect">
+            <a:avLst/>
+          </a:prstGeom>
+          <a:noFill/>
+        </p:spPr>
+        <p:txBody>
+          <a:bodyPr wrap="none" rtlCol="0">
+            <a:spAutoFit/>
+          </a:bodyPr>
+          <a:lstStyle/>
+          <a:p>
+            <a:pPr marL="285750" indent="-285750">
+              <a:buFont typeface="Arial" panose="020B0604020202020204" pitchFamily="34" charset="0"/>
+              <a:buChar char="•"/>
+            </a:pPr>
+            <a:r>
+              <a:rPr lang="en-US" dirty="0" err="1"/>
+              <a:t>Nu_a</a:t>
+            </a:r>
+            <a:r>
+              <a:rPr lang="en-US" dirty="0"/>
+              <a:t>: contemporary population relative to ancestral population before first epoch</a:t>
+            </a:r>
+          </a:p>
+          <a:p>
+            <a:pPr marL="285750" indent="-285750">
+              <a:buFont typeface="Arial" panose="020B0604020202020204" pitchFamily="34" charset="0"/>
+              <a:buChar char="•"/>
+            </a:pPr>
+            <a:r>
+              <a:rPr lang="en-US" dirty="0" err="1"/>
+              <a:t>Nu_b</a:t>
+            </a:r>
+            <a:r>
+              <a:rPr lang="en-US" dirty="0"/>
+              <a:t>: contemporary population relative to ancestral population before second epoch</a:t>
+            </a:r>
+          </a:p>
+          <a:p>
+            <a:pPr marL="285750" indent="-285750">
+              <a:buFont typeface="Arial" panose="020B0604020202020204" pitchFamily="34" charset="0"/>
+              <a:buChar char="•"/>
+            </a:pPr>
+            <a:r>
+              <a:rPr lang="en-US" dirty="0"/>
+              <a:t>T_1: Duration of first epoch (units of 2 * </a:t>
+            </a:r>
+            <a:r>
+              <a:rPr lang="en-US" dirty="0" err="1"/>
+              <a:t>N_a</a:t>
+            </a:r>
+            <a:r>
+              <a:rPr lang="en-US" dirty="0"/>
+              <a:t>)</a:t>
+            </a:r>
+          </a:p>
+          <a:p>
+            <a:pPr marL="285750" indent="-285750">
+              <a:buFont typeface="Arial" panose="020B0604020202020204" pitchFamily="34" charset="0"/>
+              <a:buChar char="•"/>
+            </a:pPr>
+            <a:r>
+              <a:rPr lang="en-US" dirty="0"/>
+              <a:t>T_2: Duration of second epoch (units of 2 * </a:t>
+            </a:r>
+            <a:r>
+              <a:rPr lang="en-US" dirty="0" err="1"/>
+              <a:t>N_a</a:t>
+            </a:r>
+            <a:r>
+              <a:rPr lang="en-US" dirty="0"/>
+              <a:t>)</a:t>
+            </a:r>
+          </a:p>
+        </p:txBody>
+      </p:sp>
+    </p:spTree>
+    <p:extLst>
+      <p:ext uri="{BB962C8B-B14F-4D97-AF65-F5344CB8AC3E}">
+        <p14:creationId xmlns:p14="http://schemas.microsoft.com/office/powerpoint/2010/main" val="3206372766"/>
+      </p:ext>
+    </p:extLst>
+  </p:cSld>
+  <p:clrMapOvr>
+    <a:masterClrMapping/>
+  </p:clrMapOvr>
+</p:sld>
+</file>
+
+<file path=ppt/slides/slide8.xml><?xml version="1.0" encoding="utf-8"?>
+<p:sld xmlns:a="http://schemas.openxmlformats.org/drawingml/2006/main" xmlns:r="http://schemas.openxmlformats.org/officeDocument/2006/relationships" xmlns:p="http://schemas.openxmlformats.org/presentationml/2006/main">
+  <p:cSld>
+    <p:spTree>
+      <p:nvGrpSpPr>
+        <p:cNvPr id="1" name=""/>
+        <p:cNvGrpSpPr/>
+        <p:nvPr/>
+      </p:nvGrpSpPr>
+      <p:grpSpPr>
+        <a:xfrm>
+          <a:off x="0" y="0"/>
+          <a:ext cx="0" cy="0"/>
+          <a:chOff x="0" y="0"/>
+          <a:chExt cx="0" cy="0"/>
+        </a:xfrm>
+      </p:grpSpPr>
+      <p:sp>
+        <p:nvSpPr>
+          <p:cNvPr id="2" name="Title 1">
+            <a:extLst>
+              <a:ext uri="{FF2B5EF4-FFF2-40B4-BE49-F238E27FC236}">
                 <a16:creationId xmlns:a16="http://schemas.microsoft.com/office/drawing/2014/main" id="{1DA4FD9C-0575-4672-BDCF-805449EFAC7C}"/>
               </a:ext>
             </a:extLst>
@@ -4787,6 +5669,23 @@
             <a:normAutofit/>
           </a:bodyPr>
           <a:lstStyle/>
+          <a:p>
+            <a:r>
+              <a:rPr lang="en-US" dirty="0">
+                <a:sym typeface="Wingdings" panose="05000000000000000000" pitchFamily="2" charset="2"/>
+              </a:rPr>
+              <a:t>Follow up on Hoffman2</a:t>
+            </a:r>
+          </a:p>
+          <a:p>
+            <a:pPr lvl="1"/>
+            <a:r>
+              <a:rPr lang="en-US" dirty="0">
+                <a:sym typeface="Wingdings" panose="05000000000000000000" pitchFamily="2" charset="2"/>
+              </a:rPr>
+              <a:t>I assume the data is on there</a:t>
+            </a:r>
+          </a:p>
           <a:p>
             <a:endParaRPr lang="en-US" dirty="0">
               <a:sym typeface="Wingdings" panose="05000000000000000000" pitchFamily="2" charset="2"/>
@@ -4807,7 +5706,7 @@
 </p:sld>
 </file>
 
-<file path=ppt/slides/slide7.xml><?xml version="1.0" encoding="utf-8"?>
+<file path=ppt/slides/slide9.xml><?xml version="1.0" encoding="utf-8"?>
 <p:sld xmlns:a="http://schemas.openxmlformats.org/drawingml/2006/main" xmlns:r="http://schemas.openxmlformats.org/officeDocument/2006/relationships" xmlns:p="http://schemas.openxmlformats.org/presentationml/2006/main">
   <p:cSld>
     <p:spTree>
